--- a/src/ThrowExpressions-tc39.pptx
+++ b/src/ThrowExpressions-tc39.pptx
@@ -5,13 +5,15 @@
     <p:sldMasterId id="2147483648" r:id="rId1"/>
   </p:sldMasterIdLst>
   <p:notesMasterIdLst>
-    <p:notesMasterId r:id="rId6"/>
+    <p:notesMasterId r:id="rId8"/>
   </p:notesMasterIdLst>
   <p:sldIdLst>
     <p:sldId id="256" r:id="rId2"/>
     <p:sldId id="258" r:id="rId3"/>
     <p:sldId id="259" r:id="rId4"/>
-    <p:sldId id="260" r:id="rId5"/>
+    <p:sldId id="261" r:id="rId5"/>
+    <p:sldId id="262" r:id="rId6"/>
+    <p:sldId id="260" r:id="rId7"/>
   </p:sldIdLst>
   <p:sldSz cx="12192000" cy="6858000"/>
   <p:notesSz cx="6858000" cy="9144000"/>
@@ -118,6 +120,10 @@
 </p:presentation>
 </file>
 
+<file path=ppt/revisionInfo.xml><?xml version="1.0" encoding="utf-8"?>
+<p1510:revInfo xmlns:a="http://schemas.openxmlformats.org/drawingml/2006/main" xmlns:r="http://schemas.openxmlformats.org/officeDocument/2006/relationships" xmlns:p1510="http://schemas.microsoft.com/office/powerpoint/2015/10/main"/>
+</file>
+
 <file path=ppt/notesMasters/notesMaster1.xml><?xml version="1.0" encoding="utf-8"?>
 <p:notesMaster xmlns:a="http://schemas.openxmlformats.org/drawingml/2006/main" xmlns:r="http://schemas.openxmlformats.org/officeDocument/2006/relationships" xmlns:p="http://schemas.openxmlformats.org/presentationml/2006/main">
   <p:cSld>
@@ -200,7 +206,7 @@
           <a:p>
             <a:fld id="{670AE475-BA5C-4607-B963-F9EF40323928}" type="datetimeFigureOut">
               <a:rPr lang="en-US" smtClean="0"/>
-              <a:t>9/11/2017</a:t>
+              <a:t>9/26/2017</a:t>
             </a:fld>
             <a:endParaRPr lang="en-US"/>
           </a:p>
@@ -793,6 +799,174 @@
     </p:spTree>
     <p:extLst>
       <p:ext uri="{BB962C8B-B14F-4D97-AF65-F5344CB8AC3E}">
+        <p14:creationId xmlns:p14="http://schemas.microsoft.com/office/powerpoint/2010/main" val="4246570198"/>
+      </p:ext>
+    </p:extLst>
+  </p:cSld>
+  <p:clrMapOvr>
+    <a:masterClrMapping/>
+  </p:clrMapOvr>
+</p:notes>
+</file>
+
+<file path=ppt/notesSlides/notesSlide5.xml><?xml version="1.0" encoding="utf-8"?>
+<p:notes xmlns:a="http://schemas.openxmlformats.org/drawingml/2006/main" xmlns:r="http://schemas.openxmlformats.org/officeDocument/2006/relationships" xmlns:p="http://schemas.openxmlformats.org/presentationml/2006/main">
+  <p:cSld>
+    <p:spTree>
+      <p:nvGrpSpPr>
+        <p:cNvPr id="1" name=""/>
+        <p:cNvGrpSpPr/>
+        <p:nvPr/>
+      </p:nvGrpSpPr>
+      <p:grpSpPr>
+        <a:xfrm>
+          <a:off x="0" y="0"/>
+          <a:ext cx="0" cy="0"/>
+          <a:chOff x="0" y="0"/>
+          <a:chExt cx="0" cy="0"/>
+        </a:xfrm>
+      </p:grpSpPr>
+      <p:sp>
+        <p:nvSpPr>
+          <p:cNvPr id="2" name="Slide Image Placeholder 1"/>
+          <p:cNvSpPr>
+            <a:spLocks noGrp="1" noRot="1" noChangeAspect="1"/>
+          </p:cNvSpPr>
+          <p:nvPr>
+            <p:ph type="sldImg"/>
+          </p:nvPr>
+        </p:nvSpPr>
+        <p:spPr/>
+      </p:sp>
+      <p:sp>
+        <p:nvSpPr>
+          <p:cNvPr id="3" name="Notes Placeholder 2"/>
+          <p:cNvSpPr>
+            <a:spLocks noGrp="1"/>
+          </p:cNvSpPr>
+          <p:nvPr>
+            <p:ph type="body" idx="1"/>
+          </p:nvPr>
+        </p:nvSpPr>
+        <p:spPr/>
+        <p:txBody>
+          <a:bodyPr/>
+          <a:lstStyle/>
+          <a:p>
+            <a:endParaRPr lang="en-US"/>
+          </a:p>
+        </p:txBody>
+      </p:sp>
+      <p:sp>
+        <p:nvSpPr>
+          <p:cNvPr id="4" name="Slide Number Placeholder 3"/>
+          <p:cNvSpPr>
+            <a:spLocks noGrp="1"/>
+          </p:cNvSpPr>
+          <p:nvPr>
+            <p:ph type="sldNum" sz="quarter" idx="10"/>
+          </p:nvPr>
+        </p:nvSpPr>
+        <p:spPr/>
+        <p:txBody>
+          <a:bodyPr/>
+          <a:lstStyle/>
+          <a:p>
+            <a:fld id="{886FB2FC-6741-4358-AFFC-63ECD725B2EF}" type="slidenum">
+              <a:rPr lang="en-US" smtClean="0"/>
+              <a:t>5</a:t>
+            </a:fld>
+            <a:endParaRPr lang="en-US"/>
+          </a:p>
+        </p:txBody>
+      </p:sp>
+    </p:spTree>
+    <p:extLst>
+      <p:ext uri="{BB962C8B-B14F-4D97-AF65-F5344CB8AC3E}">
+        <p14:creationId xmlns:p14="http://schemas.microsoft.com/office/powerpoint/2010/main" val="2028184592"/>
+      </p:ext>
+    </p:extLst>
+  </p:cSld>
+  <p:clrMapOvr>
+    <a:masterClrMapping/>
+  </p:clrMapOvr>
+</p:notes>
+</file>
+
+<file path=ppt/notesSlides/notesSlide6.xml><?xml version="1.0" encoding="utf-8"?>
+<p:notes xmlns:a="http://schemas.openxmlformats.org/drawingml/2006/main" xmlns:r="http://schemas.openxmlformats.org/officeDocument/2006/relationships" xmlns:p="http://schemas.openxmlformats.org/presentationml/2006/main">
+  <p:cSld>
+    <p:spTree>
+      <p:nvGrpSpPr>
+        <p:cNvPr id="1" name=""/>
+        <p:cNvGrpSpPr/>
+        <p:nvPr/>
+      </p:nvGrpSpPr>
+      <p:grpSpPr>
+        <a:xfrm>
+          <a:off x="0" y="0"/>
+          <a:ext cx="0" cy="0"/>
+          <a:chOff x="0" y="0"/>
+          <a:chExt cx="0" cy="0"/>
+        </a:xfrm>
+      </p:grpSpPr>
+      <p:sp>
+        <p:nvSpPr>
+          <p:cNvPr id="2" name="Slide Image Placeholder 1"/>
+          <p:cNvSpPr>
+            <a:spLocks noGrp="1" noRot="1" noChangeAspect="1"/>
+          </p:cNvSpPr>
+          <p:nvPr>
+            <p:ph type="sldImg"/>
+          </p:nvPr>
+        </p:nvSpPr>
+        <p:spPr/>
+      </p:sp>
+      <p:sp>
+        <p:nvSpPr>
+          <p:cNvPr id="3" name="Notes Placeholder 2"/>
+          <p:cNvSpPr>
+            <a:spLocks noGrp="1"/>
+          </p:cNvSpPr>
+          <p:nvPr>
+            <p:ph type="body" idx="1"/>
+          </p:nvPr>
+        </p:nvSpPr>
+        <p:spPr/>
+        <p:txBody>
+          <a:bodyPr/>
+          <a:lstStyle/>
+          <a:p>
+            <a:endParaRPr lang="en-US"/>
+          </a:p>
+        </p:txBody>
+      </p:sp>
+      <p:sp>
+        <p:nvSpPr>
+          <p:cNvPr id="4" name="Slide Number Placeholder 3"/>
+          <p:cNvSpPr>
+            <a:spLocks noGrp="1"/>
+          </p:cNvSpPr>
+          <p:nvPr>
+            <p:ph type="sldNum" sz="quarter" idx="10"/>
+          </p:nvPr>
+        </p:nvSpPr>
+        <p:spPr/>
+        <p:txBody>
+          <a:bodyPr/>
+          <a:lstStyle/>
+          <a:p>
+            <a:fld id="{886FB2FC-6741-4358-AFFC-63ECD725B2EF}" type="slidenum">
+              <a:rPr lang="en-US" smtClean="0"/>
+              <a:t>6</a:t>
+            </a:fld>
+            <a:endParaRPr lang="en-US"/>
+          </a:p>
+        </p:txBody>
+      </p:sp>
+    </p:spTree>
+    <p:extLst>
+      <p:ext uri="{BB962C8B-B14F-4D97-AF65-F5344CB8AC3E}">
         <p14:creationId xmlns:p14="http://schemas.microsoft.com/office/powerpoint/2010/main" val="1244424659"/>
       </p:ext>
     </p:extLst>
@@ -995,7 +1169,7 @@
             <a:fld id="{B61BEF0D-F0BB-DE4B-95CE-6DB70DBA9567}" type="datetimeFigureOut">
               <a:rPr lang="en-US" dirty="0"/>
               <a:pPr/>
-              <a:t>9/11/2017</a:t>
+              <a:t>9/26/2017</a:t>
             </a:fld>
             <a:endParaRPr lang="en-US" dirty="0"/>
           </a:p>
@@ -1428,7 +1602,7 @@
             <a:fld id="{B61BEF0D-F0BB-DE4B-95CE-6DB70DBA9567}" type="datetimeFigureOut">
               <a:rPr lang="en-US" dirty="0"/>
               <a:pPr/>
-              <a:t>9/11/2017</a:t>
+              <a:t>9/26/2017</a:t>
             </a:fld>
             <a:endParaRPr lang="en-US" dirty="0"/>
           </a:p>
@@ -1675,7 +1849,7 @@
             <a:fld id="{B61BEF0D-F0BB-DE4B-95CE-6DB70DBA9567}" type="datetimeFigureOut">
               <a:rPr lang="en-US" dirty="0"/>
               <a:pPr/>
-              <a:t>9/11/2017</a:t>
+              <a:t>9/26/2017</a:t>
             </a:fld>
             <a:endParaRPr lang="en-US" dirty="0"/>
           </a:p>
@@ -1980,7 +2154,7 @@
             <a:fld id="{B61BEF0D-F0BB-DE4B-95CE-6DB70DBA9567}" type="datetimeFigureOut">
               <a:rPr lang="en-US" dirty="0"/>
               <a:pPr/>
-              <a:t>9/11/2017</a:t>
+              <a:t>9/26/2017</a:t>
             </a:fld>
             <a:endParaRPr lang="en-US" dirty="0"/>
           </a:p>
@@ -2295,7 +2469,7 @@
             <a:fld id="{B61BEF0D-F0BB-DE4B-95CE-6DB70DBA9567}" type="datetimeFigureOut">
               <a:rPr lang="en-US" dirty="0"/>
               <a:pPr/>
-              <a:t>9/11/2017</a:t>
+              <a:t>9/26/2017</a:t>
             </a:fld>
             <a:endParaRPr lang="en-US" dirty="0"/>
           </a:p>
@@ -2594,7 +2768,7 @@
             <a:fld id="{B61BEF0D-F0BB-DE4B-95CE-6DB70DBA9567}" type="datetimeFigureOut">
               <a:rPr lang="en-US" dirty="0"/>
               <a:pPr/>
-              <a:t>9/11/2017</a:t>
+              <a:t>9/26/2017</a:t>
             </a:fld>
             <a:endParaRPr lang="en-US" dirty="0"/>
           </a:p>
@@ -2958,7 +3132,7 @@
             <a:fld id="{B61BEF0D-F0BB-DE4B-95CE-6DB70DBA9567}" type="datetimeFigureOut">
               <a:rPr lang="en-US" dirty="0"/>
               <a:pPr/>
-              <a:t>9/11/2017</a:t>
+              <a:t>9/26/2017</a:t>
             </a:fld>
             <a:endParaRPr lang="en-US" dirty="0"/>
           </a:p>
@@ -3129,7 +3303,7 @@
             <a:fld id="{B61BEF0D-F0BB-DE4B-95CE-6DB70DBA9567}" type="datetimeFigureOut">
               <a:rPr lang="en-US" dirty="0"/>
               <a:pPr/>
-              <a:t>9/11/2017</a:t>
+              <a:t>9/26/2017</a:t>
             </a:fld>
             <a:endParaRPr lang="en-US" dirty="0"/>
           </a:p>
@@ -3306,7 +3480,7 @@
             <a:fld id="{B61BEF0D-F0BB-DE4B-95CE-6DB70DBA9567}" type="datetimeFigureOut">
               <a:rPr lang="en-US" dirty="0"/>
               <a:pPr/>
-              <a:t>9/11/2017</a:t>
+              <a:t>9/26/2017</a:t>
             </a:fld>
             <a:endParaRPr lang="en-US" dirty="0"/>
           </a:p>
@@ -3473,7 +3647,7 @@
             <a:fld id="{B61BEF0D-F0BB-DE4B-95CE-6DB70DBA9567}" type="datetimeFigureOut">
               <a:rPr lang="en-US" dirty="0"/>
               <a:pPr/>
-              <a:t>9/11/2017</a:t>
+              <a:t>9/26/2017</a:t>
             </a:fld>
             <a:endParaRPr lang="en-US" dirty="0"/>
           </a:p>
@@ -3720,7 +3894,7 @@
             <a:fld id="{B61BEF0D-F0BB-DE4B-95CE-6DB70DBA9567}" type="datetimeFigureOut">
               <a:rPr lang="en-US" dirty="0"/>
               <a:pPr/>
-              <a:t>9/11/2017</a:t>
+              <a:t>9/26/2017</a:t>
             </a:fld>
             <a:endParaRPr lang="en-US" dirty="0"/>
           </a:p>
@@ -3953,7 +4127,7 @@
             <a:fld id="{B61BEF0D-F0BB-DE4B-95CE-6DB70DBA9567}" type="datetimeFigureOut">
               <a:rPr lang="en-US" dirty="0"/>
               <a:pPr/>
-              <a:t>9/11/2017</a:t>
+              <a:t>9/26/2017</a:t>
             </a:fld>
             <a:endParaRPr lang="en-US" dirty="0"/>
           </a:p>
@@ -4332,7 +4506,7 @@
             <a:fld id="{B61BEF0D-F0BB-DE4B-95CE-6DB70DBA9567}" type="datetimeFigureOut">
               <a:rPr lang="en-US" dirty="0"/>
               <a:pPr/>
-              <a:t>9/11/2017</a:t>
+              <a:t>9/26/2017</a:t>
             </a:fld>
             <a:endParaRPr lang="en-US" dirty="0"/>
           </a:p>
@@ -4447,7 +4621,7 @@
             <a:fld id="{B61BEF0D-F0BB-DE4B-95CE-6DB70DBA9567}" type="datetimeFigureOut">
               <a:rPr lang="en-US" dirty="0"/>
               <a:pPr/>
-              <a:t>9/11/2017</a:t>
+              <a:t>9/26/2017</a:t>
             </a:fld>
             <a:endParaRPr lang="en-US" dirty="0"/>
           </a:p>
@@ -4539,7 +4713,7 @@
             <a:fld id="{B61BEF0D-F0BB-DE4B-95CE-6DB70DBA9567}" type="datetimeFigureOut">
               <a:rPr lang="en-US" dirty="0"/>
               <a:pPr/>
-              <a:t>9/11/2017</a:t>
+              <a:t>9/26/2017</a:t>
             </a:fld>
             <a:endParaRPr lang="en-US" dirty="0"/>
           </a:p>
@@ -4791,7 +4965,7 @@
             <a:fld id="{B61BEF0D-F0BB-DE4B-95CE-6DB70DBA9567}" type="datetimeFigureOut">
               <a:rPr lang="en-US" dirty="0"/>
               <a:pPr/>
-              <a:t>9/11/2017</a:t>
+              <a:t>9/26/2017</a:t>
             </a:fld>
             <a:endParaRPr lang="en-US" dirty="0"/>
           </a:p>
@@ -5071,7 +5245,7 @@
             <a:fld id="{B61BEF0D-F0BB-DE4B-95CE-6DB70DBA9567}" type="datetimeFigureOut">
               <a:rPr lang="en-US" dirty="0"/>
               <a:pPr/>
-              <a:t>9/11/2017</a:t>
+              <a:t>9/26/2017</a:t>
             </a:fld>
             <a:endParaRPr lang="en-US" dirty="0"/>
           </a:p>
@@ -5474,7 +5648,7 @@
             <a:fld id="{B61BEF0D-F0BB-DE4B-95CE-6DB70DBA9567}" type="datetimeFigureOut">
               <a:rPr lang="en-US" dirty="0"/>
               <a:pPr/>
-              <a:t>9/11/2017</a:t>
+              <a:t>9/26/2017</a:t>
             </a:fld>
             <a:endParaRPr lang="en-US" dirty="0"/>
           </a:p>
@@ -7908,6 +8082,262 @@
 </file>
 
 <file path=ppt/slides/slide4.xml><?xml version="1.0" encoding="utf-8"?>
+<p:sld xmlns:a="http://schemas.openxmlformats.org/drawingml/2006/main" xmlns:r="http://schemas.openxmlformats.org/officeDocument/2006/relationships" xmlns:p="http://schemas.openxmlformats.org/presentationml/2006/main">
+  <p:cSld>
+    <p:spTree>
+      <p:nvGrpSpPr>
+        <p:cNvPr id="1" name=""/>
+        <p:cNvGrpSpPr/>
+        <p:nvPr/>
+      </p:nvGrpSpPr>
+      <p:grpSpPr>
+        <a:xfrm>
+          <a:off x="0" y="0"/>
+          <a:ext cx="0" cy="0"/>
+          <a:chOff x="0" y="0"/>
+          <a:chExt cx="0" cy="0"/>
+        </a:xfrm>
+      </p:grpSpPr>
+      <p:sp>
+        <p:nvSpPr>
+          <p:cNvPr id="2" name="Title 1">
+            <a:extLst>
+              <a:ext uri="{FF2B5EF4-FFF2-40B4-BE49-F238E27FC236}">
+                <a16:creationId xmlns:a16="http://schemas.microsoft.com/office/drawing/2014/main" id="{A119ACAD-B067-4779-84EF-7325C0711197}"/>
+              </a:ext>
+            </a:extLst>
+          </p:cNvPr>
+          <p:cNvSpPr>
+            <a:spLocks noGrp="1"/>
+          </p:cNvSpPr>
+          <p:nvPr>
+            <p:ph type="title"/>
+          </p:nvPr>
+        </p:nvSpPr>
+        <p:spPr/>
+        <p:txBody>
+          <a:bodyPr/>
+          <a:lstStyle/>
+          <a:p>
+            <a:r>
+              <a:rPr lang="en-US" dirty="0"/>
+              <a:t>Relationship to ‘do’ expressions</a:t>
+            </a:r>
+          </a:p>
+        </p:txBody>
+      </p:sp>
+      <p:sp>
+        <p:nvSpPr>
+          <p:cNvPr id="3" name="Content Placeholder 2">
+            <a:extLst>
+              <a:ext uri="{FF2B5EF4-FFF2-40B4-BE49-F238E27FC236}">
+                <a16:creationId xmlns:a16="http://schemas.microsoft.com/office/drawing/2014/main" id="{C4F1D51C-6EE4-44D5-8125-0278653D9581}"/>
+              </a:ext>
+            </a:extLst>
+          </p:cNvPr>
+          <p:cNvSpPr>
+            <a:spLocks noGrp="1"/>
+          </p:cNvSpPr>
+          <p:nvPr>
+            <p:ph idx="1"/>
+          </p:nvPr>
+        </p:nvSpPr>
+        <p:spPr/>
+        <p:txBody>
+          <a:bodyPr anchor="t"/>
+          <a:lstStyle/>
+          <a:p>
+            <a:r>
+              <a:rPr lang="en-US" dirty="0"/>
+              <a:t>‘do’ expression motivating use case:</a:t>
+            </a:r>
+          </a:p>
+          <a:p>
+            <a:pPr lvl="1"/>
+            <a:r>
+              <a:rPr lang="en-US" dirty="0"/>
+              <a:t>Execute one or more statements</a:t>
+            </a:r>
+          </a:p>
+          <a:p>
+            <a:pPr lvl="1"/>
+            <a:r>
+              <a:rPr lang="en-US" dirty="0"/>
+              <a:t>Results in an expression</a:t>
+            </a:r>
+          </a:p>
+          <a:p>
+            <a:pPr lvl="1"/>
+            <a:r>
+              <a:rPr lang="en-US" dirty="0"/>
+              <a:t>Result intended to be consumed</a:t>
+            </a:r>
+          </a:p>
+          <a:p>
+            <a:r>
+              <a:rPr lang="en-US" dirty="0"/>
+              <a:t>`throw` expression motivating use case:</a:t>
+            </a:r>
+          </a:p>
+          <a:p>
+            <a:pPr lvl="1"/>
+            <a:r>
+              <a:rPr lang="en-US" dirty="0"/>
+              <a:t>Interject an abrupt ‘throw` completion</a:t>
+            </a:r>
+          </a:p>
+          <a:p>
+            <a:pPr lvl="1"/>
+            <a:r>
+              <a:rPr lang="en-US" dirty="0"/>
+              <a:t>Result not intended to be consumed</a:t>
+            </a:r>
+          </a:p>
+          <a:p>
+            <a:pPr lvl="1"/>
+            <a:r>
+              <a:rPr lang="en-US" dirty="0"/>
+              <a:t>Further refinement of </a:t>
+            </a:r>
+            <a:r>
+              <a:rPr lang="en-US" dirty="0">
+                <a:latin typeface="Consolas" panose="020B0609020204030204" pitchFamily="49" charset="0"/>
+              </a:rPr>
+              <a:t>do { throw x; }</a:t>
+            </a:r>
+            <a:endParaRPr lang="en-US" dirty="0"/>
+          </a:p>
+          <a:p>
+            <a:endParaRPr lang="en-US" dirty="0"/>
+          </a:p>
+          <a:p>
+            <a:pPr lvl="1"/>
+            <a:endParaRPr lang="en-US" dirty="0"/>
+          </a:p>
+        </p:txBody>
+      </p:sp>
+    </p:spTree>
+    <p:extLst>
+      <p:ext uri="{BB962C8B-B14F-4D97-AF65-F5344CB8AC3E}">
+        <p14:creationId xmlns:p14="http://schemas.microsoft.com/office/powerpoint/2010/main" val="3459471239"/>
+      </p:ext>
+    </p:extLst>
+  </p:cSld>
+  <p:clrMapOvr>
+    <a:masterClrMapping/>
+  </p:clrMapOvr>
+</p:sld>
+</file>
+
+<file path=ppt/slides/slide5.xml><?xml version="1.0" encoding="utf-8"?>
+<p:sld xmlns:a="http://schemas.openxmlformats.org/drawingml/2006/main" xmlns:r="http://schemas.openxmlformats.org/officeDocument/2006/relationships" xmlns:p="http://schemas.openxmlformats.org/presentationml/2006/main">
+  <p:cSld>
+    <p:spTree>
+      <p:nvGrpSpPr>
+        <p:cNvPr id="1" name=""/>
+        <p:cNvGrpSpPr/>
+        <p:nvPr/>
+      </p:nvGrpSpPr>
+      <p:grpSpPr>
+        <a:xfrm>
+          <a:off x="0" y="0"/>
+          <a:ext cx="0" cy="0"/>
+          <a:chOff x="0" y="0"/>
+          <a:chExt cx="0" cy="0"/>
+        </a:xfrm>
+      </p:grpSpPr>
+      <p:sp>
+        <p:nvSpPr>
+          <p:cNvPr id="2" name="Title 1">
+            <a:extLst>
+              <a:ext uri="{FF2B5EF4-FFF2-40B4-BE49-F238E27FC236}">
+                <a16:creationId xmlns:a16="http://schemas.microsoft.com/office/drawing/2014/main" id="{63C7548B-9DB4-4CA6-93EB-EC5D054AC3B0}"/>
+              </a:ext>
+            </a:extLst>
+          </p:cNvPr>
+          <p:cNvSpPr>
+            <a:spLocks noGrp="1"/>
+          </p:cNvSpPr>
+          <p:nvPr>
+            <p:ph type="title"/>
+          </p:nvPr>
+        </p:nvSpPr>
+        <p:spPr/>
+        <p:txBody>
+          <a:bodyPr/>
+          <a:lstStyle/>
+          <a:p>
+            <a:r>
+              <a:rPr lang="en-US" dirty="0"/>
+              <a:t>Other statements as expressions</a:t>
+            </a:r>
+          </a:p>
+        </p:txBody>
+      </p:sp>
+      <p:sp>
+        <p:nvSpPr>
+          <p:cNvPr id="3" name="Content Placeholder 2">
+            <a:extLst>
+              <a:ext uri="{FF2B5EF4-FFF2-40B4-BE49-F238E27FC236}">
+                <a16:creationId xmlns:a16="http://schemas.microsoft.com/office/drawing/2014/main" id="{6DBA85B8-5CB6-49A2-8998-A740EBC3A4DE}"/>
+              </a:ext>
+            </a:extLst>
+          </p:cNvPr>
+          <p:cNvSpPr>
+            <a:spLocks noGrp="1"/>
+          </p:cNvSpPr>
+          <p:nvPr>
+            <p:ph idx="1"/>
+          </p:nvPr>
+        </p:nvSpPr>
+        <p:spPr/>
+        <p:txBody>
+          <a:bodyPr anchor="t"/>
+          <a:lstStyle/>
+          <a:p>
+            <a:r>
+              <a:rPr lang="en-US" dirty="0"/>
+              <a:t>Developers already understand an expression can result in an exception.</a:t>
+            </a:r>
+          </a:p>
+          <a:p>
+            <a:pPr lvl="1"/>
+            <a:r>
+              <a:rPr lang="en-US" dirty="0"/>
+              <a:t>‘throw’ expression does not introduce anything new here.</a:t>
+            </a:r>
+          </a:p>
+          <a:p>
+            <a:r>
+              <a:rPr lang="en-US" dirty="0"/>
+              <a:t>‘return’, ‘break’, or ‘continue’ in an expression introduce new, possibly confusing semantics.</a:t>
+            </a:r>
+          </a:p>
+          <a:p>
+            <a:r>
+              <a:rPr lang="en-US" dirty="0"/>
+              <a:t>‘if’, ‘for’, etc. possibly better handled by `do` expressions.</a:t>
+            </a:r>
+          </a:p>
+          <a:p>
+            <a:endParaRPr lang="en-US" dirty="0"/>
+          </a:p>
+        </p:txBody>
+      </p:sp>
+    </p:spTree>
+    <p:extLst>
+      <p:ext uri="{BB962C8B-B14F-4D97-AF65-F5344CB8AC3E}">
+        <p14:creationId xmlns:p14="http://schemas.microsoft.com/office/powerpoint/2010/main" val="2729214551"/>
+      </p:ext>
+    </p:extLst>
+  </p:cSld>
+  <p:clrMapOvr>
+    <a:masterClrMapping/>
+  </p:clrMapOvr>
+</p:sld>
+</file>
+
+<file path=ppt/slides/slide6.xml><?xml version="1.0" encoding="utf-8"?>
 <p:sld xmlns:a="http://schemas.openxmlformats.org/drawingml/2006/main" xmlns:r="http://schemas.openxmlformats.org/officeDocument/2006/relationships" xmlns:p="http://schemas.openxmlformats.org/presentationml/2006/main">
   <p:cSld>
     <p:spTree>
